--- a/Group 7 Presentation.pptx
+++ b/Group 7 Presentation.pptx
@@ -278,7 +278,7 @@
           <a:p>
             <a:fld id="{A5574AEE-ED37-48E0-A7FD-3A47E49CCD01}" type="datetimeFigureOut">
               <a:rPr lang="en-GB" smtClean="0"/>
-              <a:t>2018-05-17</a:t>
+              <a:t>2018-05-18</a:t>
             </a:fld>
             <a:endParaRPr lang="en-GB"/>
           </a:p>
@@ -490,7 +490,7 @@
           <a:p>
             <a:fld id="{A5574AEE-ED37-48E0-A7FD-3A47E49CCD01}" type="datetimeFigureOut">
               <a:rPr lang="en-GB" smtClean="0"/>
-              <a:t>2018-05-17</a:t>
+              <a:t>2018-05-18</a:t>
             </a:fld>
             <a:endParaRPr lang="en-GB"/>
           </a:p>
@@ -712,7 +712,7 @@
           <a:p>
             <a:fld id="{A5574AEE-ED37-48E0-A7FD-3A47E49CCD01}" type="datetimeFigureOut">
               <a:rPr lang="en-GB" smtClean="0"/>
-              <a:t>2018-05-17</a:t>
+              <a:t>2018-05-18</a:t>
             </a:fld>
             <a:endParaRPr lang="en-GB"/>
           </a:p>
@@ -924,7 +924,7 @@
           <a:p>
             <a:fld id="{A5574AEE-ED37-48E0-A7FD-3A47E49CCD01}" type="datetimeFigureOut">
               <a:rPr lang="en-GB" smtClean="0"/>
-              <a:t>2018-05-17</a:t>
+              <a:t>2018-05-18</a:t>
             </a:fld>
             <a:endParaRPr lang="en-GB"/>
           </a:p>
@@ -1212,7 +1212,7 @@
           <a:p>
             <a:fld id="{A5574AEE-ED37-48E0-A7FD-3A47E49CCD01}" type="datetimeFigureOut">
               <a:rPr lang="en-GB" smtClean="0"/>
-              <a:t>2018-05-17</a:t>
+              <a:t>2018-05-18</a:t>
             </a:fld>
             <a:endParaRPr lang="en-GB"/>
           </a:p>
@@ -1492,7 +1492,7 @@
           <a:p>
             <a:fld id="{A5574AEE-ED37-48E0-A7FD-3A47E49CCD01}" type="datetimeFigureOut">
               <a:rPr lang="en-GB" smtClean="0"/>
-              <a:t>2018-05-17</a:t>
+              <a:t>2018-05-18</a:t>
             </a:fld>
             <a:endParaRPr lang="en-GB"/>
           </a:p>
@@ -1919,7 +1919,7 @@
           <a:p>
             <a:fld id="{A5574AEE-ED37-48E0-A7FD-3A47E49CCD01}" type="datetimeFigureOut">
               <a:rPr lang="en-GB" smtClean="0"/>
-              <a:t>2018-05-17</a:t>
+              <a:t>2018-05-18</a:t>
             </a:fld>
             <a:endParaRPr lang="en-GB"/>
           </a:p>
@@ -2073,7 +2073,7 @@
           <a:p>
             <a:fld id="{A5574AEE-ED37-48E0-A7FD-3A47E49CCD01}" type="datetimeFigureOut">
               <a:rPr lang="en-GB" smtClean="0"/>
-              <a:t>2018-05-17</a:t>
+              <a:t>2018-05-18</a:t>
             </a:fld>
             <a:endParaRPr lang="en-GB"/>
           </a:p>
@@ -2198,7 +2198,7 @@
           <a:p>
             <a:fld id="{A5574AEE-ED37-48E0-A7FD-3A47E49CCD01}" type="datetimeFigureOut">
               <a:rPr lang="en-GB" smtClean="0"/>
-              <a:t>2018-05-17</a:t>
+              <a:t>2018-05-18</a:t>
             </a:fld>
             <a:endParaRPr lang="en-GB"/>
           </a:p>
@@ -2523,7 +2523,7 @@
           <a:p>
             <a:fld id="{A5574AEE-ED37-48E0-A7FD-3A47E49CCD01}" type="datetimeFigureOut">
               <a:rPr lang="en-GB" smtClean="0"/>
-              <a:t>2018-05-17</a:t>
+              <a:t>2018-05-18</a:t>
             </a:fld>
             <a:endParaRPr lang="en-GB"/>
           </a:p>
@@ -2824,7 +2824,7 @@
           <a:p>
             <a:fld id="{A5574AEE-ED37-48E0-A7FD-3A47E49CCD01}" type="datetimeFigureOut">
               <a:rPr lang="en-GB" smtClean="0"/>
-              <a:t>2018-05-17</a:t>
+              <a:t>2018-05-18</a:t>
             </a:fld>
             <a:endParaRPr lang="en-GB"/>
           </a:p>
@@ -3079,7 +3079,7 @@
           <a:p>
             <a:fld id="{A5574AEE-ED37-48E0-A7FD-3A47E49CCD01}" type="datetimeFigureOut">
               <a:rPr lang="en-GB" smtClean="0"/>
-              <a:t>2018-05-17</a:t>
+              <a:t>2018-05-18</a:t>
             </a:fld>
             <a:endParaRPr lang="en-GB"/>
           </a:p>
@@ -3619,7 +3619,7 @@
                 <a16:creationId xmlns:a16="http://schemas.microsoft.com/office/drawing/2014/main" id="{E126E481-B945-4179-BD79-05E96E9B29E1}"/>
               </a:ext>
               <a:ext uri="{C183D7F6-B498-43B3-948B-1728B52AA6E4}">
-                <adec:decorative xmlns:adec="http://schemas.microsoft.com/office/drawing/2017/decorative" xmlns="" val="1"/>
+                <adec:decorative xmlns="" xmlns:adec="http://schemas.microsoft.com/office/drawing/2017/decorative" val="1"/>
               </a:ext>
             </a:extLst>
           </p:cNvPr>
@@ -7050,15 +7050,16 @@
         </p:nvSpPr>
         <p:spPr>
           <a:xfrm>
-            <a:off x="2033898" y="4240634"/>
+            <a:off x="2280573" y="3840850"/>
             <a:ext cx="4266233" cy="2236732"/>
           </a:xfrm>
           <a:prstGeom prst="roundRect">
             <a:avLst/>
           </a:prstGeom>
-          <a:solidFill>
-            <a:srgbClr val="607D8B"/>
-          </a:solidFill>
+          <a:noFill/>
+          <a:ln>
+            <a:noFill/>
+          </a:ln>
           <a:effectLst>
             <a:outerShdw blurRad="1270000" sx="102000" sy="102000" algn="ctr" rotWithShape="0">
               <a:schemeClr val="tx1">
@@ -7077,7 +7078,7 @@
             <a:r>
               <a:rPr lang="en-GB" dirty="0" err="1">
                 <a:solidFill>
-                  <a:schemeClr val="bg1"/>
+                  <a:srgbClr val="607D8B"/>
                 </a:solidFill>
                 <a:latin typeface="Roboto" panose="02000000000000000000" pitchFamily="2" charset="0"/>
                 <a:ea typeface="Roboto" panose="02000000000000000000" pitchFamily="2" charset="0"/>
@@ -7087,7 +7088,7 @@
             <a:r>
               <a:rPr lang="en-GB" dirty="0">
                 <a:solidFill>
-                  <a:schemeClr val="bg1"/>
+                  <a:srgbClr val="607D8B"/>
                 </a:solidFill>
                 <a:latin typeface="Roboto" panose="02000000000000000000" pitchFamily="2" charset="0"/>
                 <a:ea typeface="Roboto" panose="02000000000000000000" pitchFamily="2" charset="0"/>
@@ -7097,7 +7098,7 @@
             <a:r>
               <a:rPr lang="en-GB" dirty="0">
                 <a:solidFill>
-                  <a:schemeClr val="bg1"/>
+                  <a:srgbClr val="607D8B"/>
                 </a:solidFill>
                 <a:latin typeface="Roboto Light" panose="02000000000000000000" pitchFamily="2" charset="0"/>
                 <a:ea typeface="Roboto Light" panose="02000000000000000000" pitchFamily="2" charset="0"/>
@@ -7107,7 +7108,7 @@
             <a:r>
               <a:rPr lang="en-GB" dirty="0">
                 <a:solidFill>
-                  <a:schemeClr val="bg1"/>
+                  <a:srgbClr val="607D8B"/>
                 </a:solidFill>
                 <a:latin typeface="Roboto" panose="02000000000000000000" pitchFamily="2" charset="0"/>
                 <a:ea typeface="Roboto" panose="02000000000000000000" pitchFamily="2" charset="0"/>
@@ -7117,7 +7118,7 @@
             <a:br>
               <a:rPr lang="en-GB" dirty="0">
                 <a:solidFill>
-                  <a:schemeClr val="bg1"/>
+                  <a:srgbClr val="607D8B"/>
                 </a:solidFill>
                 <a:latin typeface="Roboto" panose="02000000000000000000" pitchFamily="2" charset="0"/>
                 <a:ea typeface="Roboto" panose="02000000000000000000" pitchFamily="2" charset="0"/>
@@ -7126,7 +7127,7 @@
             <a:r>
               <a:rPr lang="en-GB" dirty="0">
                 <a:solidFill>
-                  <a:schemeClr val="bg1"/>
+                  <a:srgbClr val="607D8B"/>
                 </a:solidFill>
                 <a:latin typeface="Roboto" panose="02000000000000000000" pitchFamily="2" charset="0"/>
                 <a:ea typeface="Roboto" panose="02000000000000000000" pitchFamily="2" charset="0"/>
@@ -7136,7 +7137,7 @@
             <a:r>
               <a:rPr lang="en-GB" b="1" dirty="0">
                 <a:solidFill>
-                  <a:schemeClr val="bg1"/>
+                  <a:srgbClr val="607D8B"/>
                 </a:solidFill>
                 <a:latin typeface="Roboto" panose="02000000000000000000" pitchFamily="2" charset="0"/>
                 <a:ea typeface="Roboto" panose="02000000000000000000" pitchFamily="2" charset="0"/>
@@ -7174,7 +7175,7 @@
         </p:blipFill>
         <p:spPr>
           <a:xfrm>
-            <a:off x="1289746" y="-3613355"/>
+            <a:off x="1289746" y="-3477259"/>
             <a:ext cx="3603593" cy="6858000"/>
           </a:xfrm>
           <a:prstGeom prst="rect">
@@ -7217,7 +7218,7 @@
         </p:blipFill>
         <p:spPr>
           <a:xfrm>
-            <a:off x="8048174" y="2705122"/>
+            <a:off x="8048174" y="2275569"/>
             <a:ext cx="3603593" cy="6858000"/>
           </a:xfrm>
           <a:prstGeom prst="rect">
